--- a/Final Project/Design/Slide.pptx
+++ b/Final Project/Design/Slide.pptx
@@ -310,7 +310,7 @@
           <a:p>
             <a:fld id="{A0EC2761-52B0-42C5-B01B-DF8F69615AE5}" type="datetimeFigureOut">
               <a:rPr lang="en-US" smtClean="0"/>
-              <a:t>12/23/2020</a:t>
+              <a:t>12/24/2020</a:t>
             </a:fld>
             <a:endParaRPr lang="en-US"/>
           </a:p>
@@ -478,7 +478,7 @@
           <a:p>
             <a:fld id="{A0EC2761-52B0-42C5-B01B-DF8F69615AE5}" type="datetimeFigureOut">
               <a:rPr lang="en-US" smtClean="0"/>
-              <a:t>12/23/2020</a:t>
+              <a:t>12/24/2020</a:t>
             </a:fld>
             <a:endParaRPr lang="en-US"/>
           </a:p>
@@ -656,7 +656,7 @@
           <a:p>
             <a:fld id="{A0EC2761-52B0-42C5-B01B-DF8F69615AE5}" type="datetimeFigureOut">
               <a:rPr lang="en-US" smtClean="0"/>
-              <a:t>12/23/2020</a:t>
+              <a:t>12/24/2020</a:t>
             </a:fld>
             <a:endParaRPr lang="en-US"/>
           </a:p>
@@ -824,7 +824,7 @@
           <a:p>
             <a:fld id="{A0EC2761-52B0-42C5-B01B-DF8F69615AE5}" type="datetimeFigureOut">
               <a:rPr lang="en-US" smtClean="0"/>
-              <a:t>12/23/2020</a:t>
+              <a:t>12/24/2020</a:t>
             </a:fld>
             <a:endParaRPr lang="en-US"/>
           </a:p>
@@ -1069,7 +1069,7 @@
           <a:p>
             <a:fld id="{A0EC2761-52B0-42C5-B01B-DF8F69615AE5}" type="datetimeFigureOut">
               <a:rPr lang="en-US" smtClean="0"/>
-              <a:t>12/23/2020</a:t>
+              <a:t>12/24/2020</a:t>
             </a:fld>
             <a:endParaRPr lang="en-US"/>
           </a:p>
@@ -1298,7 +1298,7 @@
           <a:p>
             <a:fld id="{A0EC2761-52B0-42C5-B01B-DF8F69615AE5}" type="datetimeFigureOut">
               <a:rPr lang="en-US" smtClean="0"/>
-              <a:t>12/23/2020</a:t>
+              <a:t>12/24/2020</a:t>
             </a:fld>
             <a:endParaRPr lang="en-US"/>
           </a:p>
@@ -1662,7 +1662,7 @@
           <a:p>
             <a:fld id="{A0EC2761-52B0-42C5-B01B-DF8F69615AE5}" type="datetimeFigureOut">
               <a:rPr lang="en-US" smtClean="0"/>
-              <a:t>12/23/2020</a:t>
+              <a:t>12/24/2020</a:t>
             </a:fld>
             <a:endParaRPr lang="en-US"/>
           </a:p>
@@ -1771,7 +1771,7 @@
           <a:p>
             <a:fld id="{A0EC2761-52B0-42C5-B01B-DF8F69615AE5}" type="datetimeFigureOut">
               <a:rPr lang="en-US" smtClean="0"/>
-              <a:t>12/23/2020</a:t>
+              <a:t>12/24/2020</a:t>
             </a:fld>
             <a:endParaRPr lang="en-US"/>
           </a:p>
@@ -1880,7 +1880,7 @@
           <a:p>
             <a:fld id="{A0EC2761-52B0-42C5-B01B-DF8F69615AE5}" type="datetimeFigureOut">
               <a:rPr lang="en-US" smtClean="0"/>
-              <a:t>12/23/2020</a:t>
+              <a:t>12/24/2020</a:t>
             </a:fld>
             <a:endParaRPr lang="en-US"/>
           </a:p>
@@ -2155,7 +2155,7 @@
           <a:p>
             <a:fld id="{A0EC2761-52B0-42C5-B01B-DF8F69615AE5}" type="datetimeFigureOut">
               <a:rPr lang="en-US" smtClean="0"/>
-              <a:t>12/23/2020</a:t>
+              <a:t>12/24/2020</a:t>
             </a:fld>
             <a:endParaRPr lang="en-US"/>
           </a:p>
@@ -2410,7 +2410,7 @@
           <a:p>
             <a:fld id="{A0EC2761-52B0-42C5-B01B-DF8F69615AE5}" type="datetimeFigureOut">
               <a:rPr lang="en-US" smtClean="0"/>
-              <a:t>12/23/2020</a:t>
+              <a:t>12/24/2020</a:t>
             </a:fld>
             <a:endParaRPr lang="en-US"/>
           </a:p>
@@ -2630,7 +2630,7 @@
           <a:p>
             <a:fld id="{A0EC2761-52B0-42C5-B01B-DF8F69615AE5}" type="datetimeFigureOut">
               <a:rPr lang="en-US" smtClean="0"/>
-              <a:t>12/23/2020</a:t>
+              <a:t>12/24/2020</a:t>
             </a:fld>
             <a:endParaRPr lang="en-US"/>
           </a:p>
@@ -3128,6 +3128,12 @@
               </a:rPr>
               <a:t>lớn</a:t>
             </a:r>
+            <a:r>
+              <a:rPr lang="en-US" dirty="0">
+                <a:latin typeface="+mn-lt"/>
+              </a:rPr>
+              <a:t/>
+            </a:r>
             <a:br>
               <a:rPr lang="en-US" dirty="0">
                 <a:latin typeface="+mn-lt"/>
@@ -3359,44 +3365,6 @@
           </a:prstGeom>
         </p:spPr>
       </p:pic>
-      <p:sp>
-        <p:nvSpPr>
-          <p:cNvPr id="3" name="Rectangle 2">
-            <a:extLst>
-              <a:ext uri="{FF2B5EF4-FFF2-40B4-BE49-F238E27FC236}">
-                <a16:creationId xmlns:a16="http://schemas.microsoft.com/office/drawing/2014/main" id="{B32E8FEA-8963-4FA0-9686-DEACDAC11E0A}"/>
-              </a:ext>
-            </a:extLst>
-          </p:cNvPr>
-          <p:cNvSpPr/>
-          <p:nvPr/>
-        </p:nvSpPr>
-        <p:spPr>
-          <a:xfrm>
-            <a:off x="3966706" y="3244334"/>
-            <a:ext cx="1210588" cy="369332"/>
-          </a:xfrm>
-          <a:prstGeom prst="rect">
-            <a:avLst/>
-          </a:prstGeom>
-        </p:spPr>
-        <p:txBody>
-          <a:bodyPr wrap="none">
-            <a:spAutoFit/>
-          </a:bodyPr>
-          <a:lstStyle/>
-          <a:p>
-            <a:r>
-              <a:rPr lang="en-US" dirty="0">
-                <a:latin typeface="Arial" panose="020B0604020202020204" pitchFamily="34" charset="0"/>
-                <a:ea typeface="Times New Roman" panose="02020603050405020304" pitchFamily="18" charset="0"/>
-              </a:rPr>
-              <a:t>20173438</a:t>
-            </a:r>
-            <a:endParaRPr lang="en-US" dirty="0"/>
-          </a:p>
-        </p:txBody>
-      </p:sp>
     </p:spTree>
     <p:extLst>
       <p:ext uri="{BB962C8B-B14F-4D97-AF65-F5344CB8AC3E}">
@@ -3516,7 +3484,7 @@
         </p:nvGraphicFramePr>
         <p:xfrm>
           <a:off x="768350" y="1610485"/>
-          <a:ext cx="6800850" cy="4680332"/>
+          <a:ext cx="6800850" cy="4708906"/>
         </p:xfrm>
         <a:graphic>
           <a:graphicData uri="http://schemas.openxmlformats.org/drawingml/2006/table">
@@ -4642,7 +4610,7 @@
         </p:nvGraphicFramePr>
         <p:xfrm>
           <a:off x="1101725" y="2265045"/>
-          <a:ext cx="6800850" cy="3070988"/>
+          <a:ext cx="6800850" cy="3099562"/>
         </p:xfrm>
         <a:graphic>
           <a:graphicData uri="http://schemas.openxmlformats.org/drawingml/2006/table">

--- a/Final Project/Design/Slide.pptx
+++ b/Final Project/Design/Slide.pptx
@@ -310,7 +310,7 @@
           <a:p>
             <a:fld id="{A0EC2761-52B0-42C5-B01B-DF8F69615AE5}" type="datetimeFigureOut">
               <a:rPr lang="en-US" smtClean="0"/>
-              <a:t>12/24/2020</a:t>
+              <a:t>12/25/2020</a:t>
             </a:fld>
             <a:endParaRPr lang="en-US"/>
           </a:p>
@@ -478,7 +478,7 @@
           <a:p>
             <a:fld id="{A0EC2761-52B0-42C5-B01B-DF8F69615AE5}" type="datetimeFigureOut">
               <a:rPr lang="en-US" smtClean="0"/>
-              <a:t>12/24/2020</a:t>
+              <a:t>12/25/2020</a:t>
             </a:fld>
             <a:endParaRPr lang="en-US"/>
           </a:p>
@@ -656,7 +656,7 @@
           <a:p>
             <a:fld id="{A0EC2761-52B0-42C5-B01B-DF8F69615AE5}" type="datetimeFigureOut">
               <a:rPr lang="en-US" smtClean="0"/>
-              <a:t>12/24/2020</a:t>
+              <a:t>12/25/2020</a:t>
             </a:fld>
             <a:endParaRPr lang="en-US"/>
           </a:p>
@@ -824,7 +824,7 @@
           <a:p>
             <a:fld id="{A0EC2761-52B0-42C5-B01B-DF8F69615AE5}" type="datetimeFigureOut">
               <a:rPr lang="en-US" smtClean="0"/>
-              <a:t>12/24/2020</a:t>
+              <a:t>12/25/2020</a:t>
             </a:fld>
             <a:endParaRPr lang="en-US"/>
           </a:p>
@@ -1069,7 +1069,7 @@
           <a:p>
             <a:fld id="{A0EC2761-52B0-42C5-B01B-DF8F69615AE5}" type="datetimeFigureOut">
               <a:rPr lang="en-US" smtClean="0"/>
-              <a:t>12/24/2020</a:t>
+              <a:t>12/25/2020</a:t>
             </a:fld>
             <a:endParaRPr lang="en-US"/>
           </a:p>
@@ -1298,7 +1298,7 @@
           <a:p>
             <a:fld id="{A0EC2761-52B0-42C5-B01B-DF8F69615AE5}" type="datetimeFigureOut">
               <a:rPr lang="en-US" smtClean="0"/>
-              <a:t>12/24/2020</a:t>
+              <a:t>12/25/2020</a:t>
             </a:fld>
             <a:endParaRPr lang="en-US"/>
           </a:p>
@@ -1662,7 +1662,7 @@
           <a:p>
             <a:fld id="{A0EC2761-52B0-42C5-B01B-DF8F69615AE5}" type="datetimeFigureOut">
               <a:rPr lang="en-US" smtClean="0"/>
-              <a:t>12/24/2020</a:t>
+              <a:t>12/25/2020</a:t>
             </a:fld>
             <a:endParaRPr lang="en-US"/>
           </a:p>
@@ -1771,7 +1771,7 @@
           <a:p>
             <a:fld id="{A0EC2761-52B0-42C5-B01B-DF8F69615AE5}" type="datetimeFigureOut">
               <a:rPr lang="en-US" smtClean="0"/>
-              <a:t>12/24/2020</a:t>
+              <a:t>12/25/2020</a:t>
             </a:fld>
             <a:endParaRPr lang="en-US"/>
           </a:p>
@@ -1880,7 +1880,7 @@
           <a:p>
             <a:fld id="{A0EC2761-52B0-42C5-B01B-DF8F69615AE5}" type="datetimeFigureOut">
               <a:rPr lang="en-US" smtClean="0"/>
-              <a:t>12/24/2020</a:t>
+              <a:t>12/25/2020</a:t>
             </a:fld>
             <a:endParaRPr lang="en-US"/>
           </a:p>
@@ -2155,7 +2155,7 @@
           <a:p>
             <a:fld id="{A0EC2761-52B0-42C5-B01B-DF8F69615AE5}" type="datetimeFigureOut">
               <a:rPr lang="en-US" smtClean="0"/>
-              <a:t>12/24/2020</a:t>
+              <a:t>12/25/2020</a:t>
             </a:fld>
             <a:endParaRPr lang="en-US"/>
           </a:p>
@@ -2410,7 +2410,7 @@
           <a:p>
             <a:fld id="{A0EC2761-52B0-42C5-B01B-DF8F69615AE5}" type="datetimeFigureOut">
               <a:rPr lang="en-US" smtClean="0"/>
-              <a:t>12/24/2020</a:t>
+              <a:t>12/25/2020</a:t>
             </a:fld>
             <a:endParaRPr lang="en-US"/>
           </a:p>
@@ -2630,7 +2630,7 @@
           <a:p>
             <a:fld id="{A0EC2761-52B0-42C5-B01B-DF8F69615AE5}" type="datetimeFigureOut">
               <a:rPr lang="en-US" smtClean="0"/>
-              <a:t>12/24/2020</a:t>
+              <a:t>12/25/2020</a:t>
             </a:fld>
             <a:endParaRPr lang="en-US"/>
           </a:p>
@@ -6748,8 +6748,17 @@
             </a:r>
             <a:r>
               <a:rPr lang="en-US" sz="1400" dirty="0"/>
-              <a:t> 40% </a:t>
-            </a:r>
+              <a:t> </a:t>
+            </a:r>
+            <a:r>
+              <a:rPr lang="en-US" sz="1400" dirty="0" smtClean="0"/>
+              <a:t>35</a:t>
+            </a:r>
+            <a:r>
+              <a:rPr lang="en-US" sz="1400" dirty="0" smtClean="0"/>
+              <a:t>% </a:t>
+            </a:r>
+            <a:endParaRPr lang="en-US" sz="1400" dirty="0"/>
           </a:p>
           <a:p>
             <a:pPr>
@@ -6856,9 +6865,18 @@
               <a:t>góp</a:t>
             </a:r>
             <a:r>
-              <a:rPr lang="en-US" sz="1400" dirty="0"/>
-              <a:t> 40%</a:t>
-            </a:r>
+              <a:rPr lang="en-US" sz="1400"/>
+              <a:t> </a:t>
+            </a:r>
+            <a:r>
+              <a:rPr lang="en-US" sz="1400" smtClean="0"/>
+              <a:t>35</a:t>
+            </a:r>
+            <a:r>
+              <a:rPr lang="en-US" sz="1400" smtClean="0"/>
+              <a:t>%</a:t>
+            </a:r>
+            <a:endParaRPr lang="en-US" sz="1400" dirty="0"/>
           </a:p>
           <a:p>
             <a:pPr>
@@ -6956,8 +6974,17 @@
             </a:r>
             <a:r>
               <a:rPr lang="en-US" sz="1600" dirty="0"/>
-              <a:t> 20%</a:t>
-            </a:r>
+              <a:t> </a:t>
+            </a:r>
+            <a:r>
+              <a:rPr lang="en-US" sz="1600" dirty="0" smtClean="0"/>
+              <a:t>30</a:t>
+            </a:r>
+            <a:r>
+              <a:rPr lang="en-US" sz="1600" dirty="0" smtClean="0"/>
+              <a:t>%</a:t>
+            </a:r>
+            <a:endParaRPr lang="en-US" sz="1600" dirty="0"/>
           </a:p>
           <a:p>
             <a:pPr>
